--- a/기획.pptx
+++ b/기획.pptx
@@ -13,6 +13,7 @@
     <p:sldId id="263" r:id="rId7"/>
     <p:sldId id="262" r:id="rId8"/>
     <p:sldId id="264" r:id="rId9"/>
+    <p:sldId id="265" r:id="rId10"/>
   </p:sldIdLst>
   <p:sldSz cx="12192000" cy="6858000"/>
   <p:notesSz cx="6858000" cy="9144000"/>
@@ -266,7 +267,7 @@
           <a:p>
             <a:fld id="{E65A7384-3E82-487D-96D0-AB7A28E976CA}" type="datetimeFigureOut">
               <a:rPr lang="ko-KR" altLang="en-US" smtClean="0"/>
-              <a:t>2023-09-19</a:t>
+              <a:t>2023-10-24</a:t>
             </a:fld>
             <a:endParaRPr lang="ko-KR" altLang="en-US"/>
           </a:p>
@@ -464,7 +465,7 @@
           <a:p>
             <a:fld id="{E65A7384-3E82-487D-96D0-AB7A28E976CA}" type="datetimeFigureOut">
               <a:rPr lang="ko-KR" altLang="en-US" smtClean="0"/>
-              <a:t>2023-09-19</a:t>
+              <a:t>2023-10-24</a:t>
             </a:fld>
             <a:endParaRPr lang="ko-KR" altLang="en-US"/>
           </a:p>
@@ -672,7 +673,7 @@
           <a:p>
             <a:fld id="{E65A7384-3E82-487D-96D0-AB7A28E976CA}" type="datetimeFigureOut">
               <a:rPr lang="ko-KR" altLang="en-US" smtClean="0"/>
-              <a:t>2023-09-19</a:t>
+              <a:t>2023-10-24</a:t>
             </a:fld>
             <a:endParaRPr lang="ko-KR" altLang="en-US"/>
           </a:p>
@@ -870,7 +871,7 @@
           <a:p>
             <a:fld id="{E65A7384-3E82-487D-96D0-AB7A28E976CA}" type="datetimeFigureOut">
               <a:rPr lang="ko-KR" altLang="en-US" smtClean="0"/>
-              <a:t>2023-09-19</a:t>
+              <a:t>2023-10-24</a:t>
             </a:fld>
             <a:endParaRPr lang="ko-KR" altLang="en-US"/>
           </a:p>
@@ -1145,7 +1146,7 @@
           <a:p>
             <a:fld id="{E65A7384-3E82-487D-96D0-AB7A28E976CA}" type="datetimeFigureOut">
               <a:rPr lang="ko-KR" altLang="en-US" smtClean="0"/>
-              <a:t>2023-09-19</a:t>
+              <a:t>2023-10-24</a:t>
             </a:fld>
             <a:endParaRPr lang="ko-KR" altLang="en-US"/>
           </a:p>
@@ -1410,7 +1411,7 @@
           <a:p>
             <a:fld id="{E65A7384-3E82-487D-96D0-AB7A28E976CA}" type="datetimeFigureOut">
               <a:rPr lang="ko-KR" altLang="en-US" smtClean="0"/>
-              <a:t>2023-09-19</a:t>
+              <a:t>2023-10-24</a:t>
             </a:fld>
             <a:endParaRPr lang="ko-KR" altLang="en-US"/>
           </a:p>
@@ -1822,7 +1823,7 @@
           <a:p>
             <a:fld id="{E65A7384-3E82-487D-96D0-AB7A28E976CA}" type="datetimeFigureOut">
               <a:rPr lang="ko-KR" altLang="en-US" smtClean="0"/>
-              <a:t>2023-09-19</a:t>
+              <a:t>2023-10-24</a:t>
             </a:fld>
             <a:endParaRPr lang="ko-KR" altLang="en-US"/>
           </a:p>
@@ -1963,7 +1964,7 @@
           <a:p>
             <a:fld id="{E65A7384-3E82-487D-96D0-AB7A28E976CA}" type="datetimeFigureOut">
               <a:rPr lang="ko-KR" altLang="en-US" smtClean="0"/>
-              <a:t>2023-09-19</a:t>
+              <a:t>2023-10-24</a:t>
             </a:fld>
             <a:endParaRPr lang="ko-KR" altLang="en-US"/>
           </a:p>
@@ -2076,7 +2077,7 @@
           <a:p>
             <a:fld id="{E65A7384-3E82-487D-96D0-AB7A28E976CA}" type="datetimeFigureOut">
               <a:rPr lang="ko-KR" altLang="en-US" smtClean="0"/>
-              <a:t>2023-09-19</a:t>
+              <a:t>2023-10-24</a:t>
             </a:fld>
             <a:endParaRPr lang="ko-KR" altLang="en-US"/>
           </a:p>
@@ -2387,7 +2388,7 @@
           <a:p>
             <a:fld id="{E65A7384-3E82-487D-96D0-AB7A28E976CA}" type="datetimeFigureOut">
               <a:rPr lang="ko-KR" altLang="en-US" smtClean="0"/>
-              <a:t>2023-09-19</a:t>
+              <a:t>2023-10-24</a:t>
             </a:fld>
             <a:endParaRPr lang="ko-KR" altLang="en-US"/>
           </a:p>
@@ -2675,7 +2676,7 @@
           <a:p>
             <a:fld id="{E65A7384-3E82-487D-96D0-AB7A28E976CA}" type="datetimeFigureOut">
               <a:rPr lang="ko-KR" altLang="en-US" smtClean="0"/>
-              <a:t>2023-09-19</a:t>
+              <a:t>2023-10-24</a:t>
             </a:fld>
             <a:endParaRPr lang="ko-KR" altLang="en-US"/>
           </a:p>
@@ -2916,7 +2917,7 @@
           <a:p>
             <a:fld id="{E65A7384-3E82-487D-96D0-AB7A28E976CA}" type="datetimeFigureOut">
               <a:rPr lang="ko-KR" altLang="en-US" smtClean="0"/>
-              <a:t>2023-09-19</a:t>
+              <a:t>2023-10-24</a:t>
             </a:fld>
             <a:endParaRPr lang="ko-KR" altLang="en-US"/>
           </a:p>
@@ -9001,6 +9002,830 @@
 </p:sld>
 </file>
 
+<file path=ppt/slides/slide9.xml><?xml version="1.0" encoding="utf-8"?>
+<p:sld xmlns:a="http://schemas.openxmlformats.org/drawingml/2006/main" xmlns:r="http://schemas.openxmlformats.org/officeDocument/2006/relationships" xmlns:p="http://schemas.openxmlformats.org/presentationml/2006/main">
+  <p:cSld>
+    <p:spTree>
+      <p:nvGrpSpPr>
+        <p:cNvPr id="1" name=""/>
+        <p:cNvGrpSpPr/>
+        <p:nvPr/>
+      </p:nvGrpSpPr>
+      <p:grpSpPr>
+        <a:xfrm>
+          <a:off x="0" y="0"/>
+          <a:ext cx="0" cy="0"/>
+          <a:chOff x="0" y="0"/>
+          <a:chExt cx="0" cy="0"/>
+        </a:xfrm>
+      </p:grpSpPr>
+      <p:sp>
+        <p:nvSpPr>
+          <p:cNvPr id="4" name="TextBox 3">
+            <a:extLst>
+              <a:ext uri="{FF2B5EF4-FFF2-40B4-BE49-F238E27FC236}">
+                <a16:creationId xmlns:a16="http://schemas.microsoft.com/office/drawing/2014/main" id="{49AA0BA0-6148-9EA0-2DBF-983C092C4E4B}"/>
+              </a:ext>
+            </a:extLst>
+          </p:cNvPr>
+          <p:cNvSpPr txBox="1"/>
+          <p:nvPr/>
+        </p:nvSpPr>
+        <p:spPr>
+          <a:xfrm>
+            <a:off x="426128" y="257452"/>
+            <a:ext cx="1963999" cy="369332"/>
+          </a:xfrm>
+          <a:prstGeom prst="rect">
+            <a:avLst/>
+          </a:prstGeom>
+          <a:noFill/>
+        </p:spPr>
+        <p:txBody>
+          <a:bodyPr wrap="none" rtlCol="0">
+            <a:spAutoFit/>
+          </a:bodyPr>
+          <a:lstStyle/>
+          <a:p>
+            <a:r>
+              <a:rPr lang="ko-KR" altLang="en-US" dirty="0"/>
+              <a:t>코드 클래스 구조</a:t>
+            </a:r>
+            <a:endParaRPr lang="en-US" altLang="ko-KR" dirty="0"/>
+          </a:p>
+        </p:txBody>
+      </p:sp>
+      <p:sp>
+        <p:nvSpPr>
+          <p:cNvPr id="5" name="직사각형 4">
+            <a:extLst>
+              <a:ext uri="{FF2B5EF4-FFF2-40B4-BE49-F238E27FC236}">
+                <a16:creationId xmlns:a16="http://schemas.microsoft.com/office/drawing/2014/main" id="{878F07BF-915C-B381-8F2E-CCD808C6B61D}"/>
+              </a:ext>
+            </a:extLst>
+          </p:cNvPr>
+          <p:cNvSpPr/>
+          <p:nvPr/>
+        </p:nvSpPr>
+        <p:spPr>
+          <a:xfrm>
+            <a:off x="639192" y="942849"/>
+            <a:ext cx="2095130" cy="798990"/>
+          </a:xfrm>
+          <a:prstGeom prst="rect">
+            <a:avLst/>
+          </a:prstGeom>
+          <a:noFill/>
+        </p:spPr>
+        <p:style>
+          <a:lnRef idx="2">
+            <a:schemeClr val="accent1">
+              <a:shade val="15000"/>
+            </a:schemeClr>
+          </a:lnRef>
+          <a:fillRef idx="1">
+            <a:schemeClr val="accent1"/>
+          </a:fillRef>
+          <a:effectRef idx="0">
+            <a:schemeClr val="accent1"/>
+          </a:effectRef>
+          <a:fontRef idx="minor">
+            <a:schemeClr val="lt1"/>
+          </a:fontRef>
+        </p:style>
+        <p:txBody>
+          <a:bodyPr rtlCol="0" anchor="ctr"/>
+          <a:lstStyle/>
+          <a:p>
+            <a:pPr algn="ctr"/>
+            <a:r>
+              <a:rPr lang="en-US" altLang="ko-KR" dirty="0" err="1">
+                <a:solidFill>
+                  <a:schemeClr val="tx1"/>
+                </a:solidFill>
+              </a:rPr>
+              <a:t>MapController</a:t>
+            </a:r>
+            <a:endParaRPr lang="ko-KR" altLang="en-US" dirty="0">
+              <a:solidFill>
+                <a:schemeClr val="tx1"/>
+              </a:solidFill>
+            </a:endParaRPr>
+          </a:p>
+        </p:txBody>
+      </p:sp>
+      <p:sp>
+        <p:nvSpPr>
+          <p:cNvPr id="6" name="직사각형 5">
+            <a:extLst>
+              <a:ext uri="{FF2B5EF4-FFF2-40B4-BE49-F238E27FC236}">
+                <a16:creationId xmlns:a16="http://schemas.microsoft.com/office/drawing/2014/main" id="{1B121D3F-05E6-994F-2CB7-E70986C80DC4}"/>
+              </a:ext>
+            </a:extLst>
+          </p:cNvPr>
+          <p:cNvSpPr/>
+          <p:nvPr/>
+        </p:nvSpPr>
+        <p:spPr>
+          <a:xfrm>
+            <a:off x="639192" y="3429001"/>
+            <a:ext cx="2095130" cy="798990"/>
+          </a:xfrm>
+          <a:prstGeom prst="rect">
+            <a:avLst/>
+          </a:prstGeom>
+          <a:noFill/>
+        </p:spPr>
+        <p:style>
+          <a:lnRef idx="2">
+            <a:schemeClr val="accent1">
+              <a:shade val="15000"/>
+            </a:schemeClr>
+          </a:lnRef>
+          <a:fillRef idx="1">
+            <a:schemeClr val="accent1"/>
+          </a:fillRef>
+          <a:effectRef idx="0">
+            <a:schemeClr val="accent1"/>
+          </a:effectRef>
+          <a:fontRef idx="minor">
+            <a:schemeClr val="lt1"/>
+          </a:fontRef>
+        </p:style>
+        <p:txBody>
+          <a:bodyPr rtlCol="0" anchor="ctr"/>
+          <a:lstStyle/>
+          <a:p>
+            <a:pPr algn="ctr"/>
+            <a:r>
+              <a:rPr lang="en-US" altLang="ko-KR" dirty="0" err="1">
+                <a:solidFill>
+                  <a:schemeClr val="tx1"/>
+                </a:solidFill>
+              </a:rPr>
+              <a:t>PuzzleObject</a:t>
+            </a:r>
+            <a:endParaRPr lang="ko-KR" altLang="en-US" dirty="0">
+              <a:solidFill>
+                <a:schemeClr val="tx1"/>
+              </a:solidFill>
+            </a:endParaRPr>
+          </a:p>
+        </p:txBody>
+      </p:sp>
+      <p:sp>
+        <p:nvSpPr>
+          <p:cNvPr id="7" name="직사각형 6">
+            <a:extLst>
+              <a:ext uri="{FF2B5EF4-FFF2-40B4-BE49-F238E27FC236}">
+                <a16:creationId xmlns:a16="http://schemas.microsoft.com/office/drawing/2014/main" id="{C5E17542-DFE6-B1F3-6CD9-D66579410E6D}"/>
+              </a:ext>
+            </a:extLst>
+          </p:cNvPr>
+          <p:cNvSpPr/>
+          <p:nvPr/>
+        </p:nvSpPr>
+        <p:spPr>
+          <a:xfrm>
+            <a:off x="5166518" y="981991"/>
+            <a:ext cx="2095130" cy="798990"/>
+          </a:xfrm>
+          <a:prstGeom prst="rect">
+            <a:avLst/>
+          </a:prstGeom>
+          <a:noFill/>
+        </p:spPr>
+        <p:style>
+          <a:lnRef idx="2">
+            <a:schemeClr val="accent1">
+              <a:shade val="15000"/>
+            </a:schemeClr>
+          </a:lnRef>
+          <a:fillRef idx="1">
+            <a:schemeClr val="accent1"/>
+          </a:fillRef>
+          <a:effectRef idx="0">
+            <a:schemeClr val="accent1"/>
+          </a:effectRef>
+          <a:fontRef idx="minor">
+            <a:schemeClr val="lt1"/>
+          </a:fontRef>
+        </p:style>
+        <p:txBody>
+          <a:bodyPr rtlCol="0" anchor="ctr"/>
+          <a:lstStyle/>
+          <a:p>
+            <a:pPr algn="ctr"/>
+            <a:r>
+              <a:rPr lang="en-US" altLang="ko-KR" dirty="0" err="1">
+                <a:solidFill>
+                  <a:schemeClr val="tx1"/>
+                </a:solidFill>
+              </a:rPr>
+              <a:t>GameController</a:t>
+            </a:r>
+            <a:endParaRPr lang="ko-KR" altLang="en-US" dirty="0">
+              <a:solidFill>
+                <a:schemeClr val="tx1"/>
+              </a:solidFill>
+            </a:endParaRPr>
+          </a:p>
+        </p:txBody>
+      </p:sp>
+      <p:cxnSp>
+        <p:nvCxnSpPr>
+          <p:cNvPr id="9" name="직선 화살표 연결선 8">
+            <a:extLst>
+              <a:ext uri="{FF2B5EF4-FFF2-40B4-BE49-F238E27FC236}">
+                <a16:creationId xmlns:a16="http://schemas.microsoft.com/office/drawing/2014/main" id="{8D9CDF60-B86C-7A9C-8B19-DC0849547259}"/>
+              </a:ext>
+            </a:extLst>
+          </p:cNvPr>
+          <p:cNvCxnSpPr>
+            <a:cxnSpLocks/>
+            <a:stCxn id="5" idx="2"/>
+            <a:endCxn id="11" idx="0"/>
+          </p:cNvCxnSpPr>
+          <p:nvPr/>
+        </p:nvCxnSpPr>
+        <p:spPr>
+          <a:xfrm>
+            <a:off x="1686757" y="1741839"/>
+            <a:ext cx="0" cy="488676"/>
+          </a:xfrm>
+          <a:prstGeom prst="straightConnector1">
+            <a:avLst/>
+          </a:prstGeom>
+          <a:ln>
+            <a:tailEnd type="triangle"/>
+          </a:ln>
+        </p:spPr>
+        <p:style>
+          <a:lnRef idx="1">
+            <a:schemeClr val="accent1"/>
+          </a:lnRef>
+          <a:fillRef idx="0">
+            <a:schemeClr val="accent1"/>
+          </a:fillRef>
+          <a:effectRef idx="0">
+            <a:schemeClr val="accent1"/>
+          </a:effectRef>
+          <a:fontRef idx="minor">
+            <a:schemeClr val="tx1"/>
+          </a:fontRef>
+        </p:style>
+      </p:cxnSp>
+      <p:sp>
+        <p:nvSpPr>
+          <p:cNvPr id="11" name="직사각형 10">
+            <a:extLst>
+              <a:ext uri="{FF2B5EF4-FFF2-40B4-BE49-F238E27FC236}">
+                <a16:creationId xmlns:a16="http://schemas.microsoft.com/office/drawing/2014/main" id="{FE1F3499-C1E3-039C-DD9B-E17F8B9C17ED}"/>
+              </a:ext>
+            </a:extLst>
+          </p:cNvPr>
+          <p:cNvSpPr/>
+          <p:nvPr/>
+        </p:nvSpPr>
+        <p:spPr>
+          <a:xfrm>
+            <a:off x="639192" y="2230515"/>
+            <a:ext cx="2095130" cy="798990"/>
+          </a:xfrm>
+          <a:prstGeom prst="rect">
+            <a:avLst/>
+          </a:prstGeom>
+          <a:noFill/>
+        </p:spPr>
+        <p:style>
+          <a:lnRef idx="2">
+            <a:schemeClr val="accent1">
+              <a:shade val="15000"/>
+            </a:schemeClr>
+          </a:lnRef>
+          <a:fillRef idx="1">
+            <a:schemeClr val="accent1"/>
+          </a:fillRef>
+          <a:effectRef idx="0">
+            <a:schemeClr val="accent1"/>
+          </a:effectRef>
+          <a:fontRef idx="minor">
+            <a:schemeClr val="lt1"/>
+          </a:fontRef>
+        </p:style>
+        <p:txBody>
+          <a:bodyPr rtlCol="0" anchor="ctr"/>
+          <a:lstStyle/>
+          <a:p>
+            <a:pPr algn="ctr"/>
+            <a:r>
+              <a:rPr lang="en-US" altLang="ko-KR" dirty="0">
+                <a:solidFill>
+                  <a:schemeClr val="tx1"/>
+                </a:solidFill>
+              </a:rPr>
+              <a:t>Hub, World1, Map1-1</a:t>
+            </a:r>
+            <a:endParaRPr lang="ko-KR" altLang="en-US" dirty="0">
+              <a:solidFill>
+                <a:schemeClr val="tx1"/>
+              </a:solidFill>
+            </a:endParaRPr>
+          </a:p>
+        </p:txBody>
+      </p:sp>
+      <p:cxnSp>
+        <p:nvCxnSpPr>
+          <p:cNvPr id="13" name="직선 화살표 연결선 12">
+            <a:extLst>
+              <a:ext uri="{FF2B5EF4-FFF2-40B4-BE49-F238E27FC236}">
+                <a16:creationId xmlns:a16="http://schemas.microsoft.com/office/drawing/2014/main" id="{EB625957-2976-75CC-803D-FF657AC5D855}"/>
+              </a:ext>
+            </a:extLst>
+          </p:cNvPr>
+          <p:cNvCxnSpPr>
+            <a:cxnSpLocks/>
+            <a:stCxn id="6" idx="2"/>
+          </p:cNvCxnSpPr>
+          <p:nvPr/>
+        </p:nvCxnSpPr>
+        <p:spPr>
+          <a:xfrm>
+            <a:off x="1686757" y="4227991"/>
+            <a:ext cx="0" cy="503807"/>
+          </a:xfrm>
+          <a:prstGeom prst="straightConnector1">
+            <a:avLst/>
+          </a:prstGeom>
+          <a:ln>
+            <a:tailEnd type="triangle"/>
+          </a:ln>
+        </p:spPr>
+        <p:style>
+          <a:lnRef idx="1">
+            <a:schemeClr val="accent1"/>
+          </a:lnRef>
+          <a:fillRef idx="0">
+            <a:schemeClr val="accent1"/>
+          </a:fillRef>
+          <a:effectRef idx="0">
+            <a:schemeClr val="accent1"/>
+          </a:effectRef>
+          <a:fontRef idx="minor">
+            <a:schemeClr val="tx1"/>
+          </a:fontRef>
+        </p:style>
+      </p:cxnSp>
+      <p:sp>
+        <p:nvSpPr>
+          <p:cNvPr id="15" name="직사각형 14">
+            <a:extLst>
+              <a:ext uri="{FF2B5EF4-FFF2-40B4-BE49-F238E27FC236}">
+                <a16:creationId xmlns:a16="http://schemas.microsoft.com/office/drawing/2014/main" id="{880B93AB-8BD3-1F93-6D6B-A04FC845A261}"/>
+              </a:ext>
+            </a:extLst>
+          </p:cNvPr>
+          <p:cNvSpPr/>
+          <p:nvPr/>
+        </p:nvSpPr>
+        <p:spPr>
+          <a:xfrm>
+            <a:off x="639192" y="4731798"/>
+            <a:ext cx="2095130" cy="798990"/>
+          </a:xfrm>
+          <a:prstGeom prst="rect">
+            <a:avLst/>
+          </a:prstGeom>
+          <a:noFill/>
+        </p:spPr>
+        <p:style>
+          <a:lnRef idx="2">
+            <a:schemeClr val="accent1">
+              <a:shade val="15000"/>
+            </a:schemeClr>
+          </a:lnRef>
+          <a:fillRef idx="1">
+            <a:schemeClr val="accent1"/>
+          </a:fillRef>
+          <a:effectRef idx="0">
+            <a:schemeClr val="accent1"/>
+          </a:effectRef>
+          <a:fontRef idx="minor">
+            <a:schemeClr val="lt1"/>
+          </a:fontRef>
+        </p:style>
+        <p:txBody>
+          <a:bodyPr rtlCol="0" anchor="ctr"/>
+          <a:lstStyle/>
+          <a:p>
+            <a:pPr algn="ctr"/>
+            <a:r>
+              <a:rPr lang="en-US" altLang="ko-KR" dirty="0">
+                <a:solidFill>
+                  <a:schemeClr val="tx1"/>
+                </a:solidFill>
+              </a:rPr>
+              <a:t>Portal,</a:t>
+            </a:r>
+            <a:r>
+              <a:rPr lang="ko-KR" altLang="en-US" dirty="0">
+                <a:solidFill>
+                  <a:schemeClr val="tx1"/>
+                </a:solidFill>
+              </a:rPr>
+              <a:t> </a:t>
+            </a:r>
+            <a:r>
+              <a:rPr lang="en-US" altLang="ko-KR" dirty="0">
+                <a:solidFill>
+                  <a:schemeClr val="tx1"/>
+                </a:solidFill>
+              </a:rPr>
+              <a:t>Button, </a:t>
+            </a:r>
+            <a:r>
+              <a:rPr lang="en-US" altLang="ko-KR" dirty="0" err="1">
+                <a:solidFill>
+                  <a:schemeClr val="tx1"/>
+                </a:solidFill>
+              </a:rPr>
+              <a:t>PushBox</a:t>
+            </a:r>
+            <a:endParaRPr lang="ko-KR" altLang="en-US" dirty="0">
+              <a:solidFill>
+                <a:schemeClr val="tx1"/>
+              </a:solidFill>
+            </a:endParaRPr>
+          </a:p>
+        </p:txBody>
+      </p:sp>
+      <p:sp>
+        <p:nvSpPr>
+          <p:cNvPr id="16" name="TextBox 15">
+            <a:extLst>
+              <a:ext uri="{FF2B5EF4-FFF2-40B4-BE49-F238E27FC236}">
+                <a16:creationId xmlns:a16="http://schemas.microsoft.com/office/drawing/2014/main" id="{DB362451-6F82-8AF0-4A41-204C37AA77B4}"/>
+              </a:ext>
+            </a:extLst>
+          </p:cNvPr>
+          <p:cNvSpPr txBox="1"/>
+          <p:nvPr/>
+        </p:nvSpPr>
+        <p:spPr>
+          <a:xfrm>
+            <a:off x="2734322" y="935787"/>
+            <a:ext cx="2565647" cy="738664"/>
+          </a:xfrm>
+          <a:prstGeom prst="rect">
+            <a:avLst/>
+          </a:prstGeom>
+          <a:noFill/>
+        </p:spPr>
+        <p:txBody>
+          <a:bodyPr wrap="square" rtlCol="0">
+            <a:spAutoFit/>
+          </a:bodyPr>
+          <a:lstStyle/>
+          <a:p>
+            <a:r>
+              <a:rPr lang="en-US" altLang="ko-KR" sz="1400" dirty="0"/>
+              <a:t>Click()</a:t>
+            </a:r>
+          </a:p>
+          <a:p>
+            <a:r>
+              <a:rPr lang="en-US" altLang="ko-KR" sz="1400" dirty="0"/>
+              <a:t>Interact(</a:t>
+            </a:r>
+            <a:r>
+              <a:rPr lang="en-US" altLang="ko-KR" sz="1400" dirty="0" err="1"/>
+              <a:t>PuzzleObject</a:t>
+            </a:r>
+            <a:r>
+              <a:rPr lang="en-US" altLang="ko-KR" sz="1400" dirty="0"/>
+              <a:t>)</a:t>
+            </a:r>
+            <a:br>
+              <a:rPr lang="en-US" altLang="ko-KR" sz="1400" dirty="0"/>
+            </a:br>
+            <a:endParaRPr lang="ko-KR" altLang="en-US" sz="1400" dirty="0"/>
+          </a:p>
+        </p:txBody>
+      </p:sp>
+      <p:sp>
+        <p:nvSpPr>
+          <p:cNvPr id="18" name="직사각형 17">
+            <a:extLst>
+              <a:ext uri="{FF2B5EF4-FFF2-40B4-BE49-F238E27FC236}">
+                <a16:creationId xmlns:a16="http://schemas.microsoft.com/office/drawing/2014/main" id="{090411D3-AC7B-7F77-5A0C-E62076A63F11}"/>
+              </a:ext>
+            </a:extLst>
+          </p:cNvPr>
+          <p:cNvSpPr/>
+          <p:nvPr/>
+        </p:nvSpPr>
+        <p:spPr>
+          <a:xfrm>
+            <a:off x="5166518" y="2408918"/>
+            <a:ext cx="2095130" cy="798990"/>
+          </a:xfrm>
+          <a:prstGeom prst="rect">
+            <a:avLst/>
+          </a:prstGeom>
+          <a:noFill/>
+        </p:spPr>
+        <p:style>
+          <a:lnRef idx="2">
+            <a:schemeClr val="accent1">
+              <a:shade val="15000"/>
+            </a:schemeClr>
+          </a:lnRef>
+          <a:fillRef idx="1">
+            <a:schemeClr val="accent1"/>
+          </a:fillRef>
+          <a:effectRef idx="0">
+            <a:schemeClr val="accent1"/>
+          </a:effectRef>
+          <a:fontRef idx="minor">
+            <a:schemeClr val="lt1"/>
+          </a:fontRef>
+        </p:style>
+        <p:txBody>
+          <a:bodyPr rtlCol="0" anchor="ctr"/>
+          <a:lstStyle/>
+          <a:p>
+            <a:pPr algn="ctr"/>
+            <a:r>
+              <a:rPr lang="en-US" altLang="ko-KR" dirty="0">
+                <a:solidFill>
+                  <a:schemeClr val="tx1"/>
+                </a:solidFill>
+              </a:rPr>
+              <a:t>Camera</a:t>
+            </a:r>
+            <a:endParaRPr lang="ko-KR" altLang="en-US" dirty="0">
+              <a:solidFill>
+                <a:schemeClr val="tx1"/>
+              </a:solidFill>
+            </a:endParaRPr>
+          </a:p>
+        </p:txBody>
+      </p:sp>
+      <p:sp>
+        <p:nvSpPr>
+          <p:cNvPr id="19" name="직사각형 18">
+            <a:extLst>
+              <a:ext uri="{FF2B5EF4-FFF2-40B4-BE49-F238E27FC236}">
+                <a16:creationId xmlns:a16="http://schemas.microsoft.com/office/drawing/2014/main" id="{0809C81C-41A4-8FD0-1963-126181F75005}"/>
+              </a:ext>
+            </a:extLst>
+          </p:cNvPr>
+          <p:cNvSpPr/>
+          <p:nvPr/>
+        </p:nvSpPr>
+        <p:spPr>
+          <a:xfrm>
+            <a:off x="5166518" y="3751824"/>
+            <a:ext cx="2095130" cy="798990"/>
+          </a:xfrm>
+          <a:prstGeom prst="rect">
+            <a:avLst/>
+          </a:prstGeom>
+          <a:noFill/>
+        </p:spPr>
+        <p:style>
+          <a:lnRef idx="2">
+            <a:schemeClr val="accent1">
+              <a:shade val="15000"/>
+            </a:schemeClr>
+          </a:lnRef>
+          <a:fillRef idx="1">
+            <a:schemeClr val="accent1"/>
+          </a:fillRef>
+          <a:effectRef idx="0">
+            <a:schemeClr val="accent1"/>
+          </a:effectRef>
+          <a:fontRef idx="minor">
+            <a:schemeClr val="lt1"/>
+          </a:fontRef>
+        </p:style>
+        <p:txBody>
+          <a:bodyPr rtlCol="0" anchor="ctr"/>
+          <a:lstStyle/>
+          <a:p>
+            <a:pPr algn="ctr"/>
+            <a:r>
+              <a:rPr lang="en-US" altLang="ko-KR" dirty="0">
+                <a:solidFill>
+                  <a:schemeClr val="tx1"/>
+                </a:solidFill>
+              </a:rPr>
+              <a:t>Player</a:t>
+            </a:r>
+            <a:endParaRPr lang="ko-KR" altLang="en-US" dirty="0">
+              <a:solidFill>
+                <a:schemeClr val="tx1"/>
+              </a:solidFill>
+            </a:endParaRPr>
+          </a:p>
+        </p:txBody>
+      </p:sp>
+      <p:sp>
+        <p:nvSpPr>
+          <p:cNvPr id="22" name="TextBox 21">
+            <a:extLst>
+              <a:ext uri="{FF2B5EF4-FFF2-40B4-BE49-F238E27FC236}">
+                <a16:creationId xmlns:a16="http://schemas.microsoft.com/office/drawing/2014/main" id="{DB5BA3BC-B535-E932-8F39-17051119B788}"/>
+              </a:ext>
+            </a:extLst>
+          </p:cNvPr>
+          <p:cNvSpPr txBox="1"/>
+          <p:nvPr/>
+        </p:nvSpPr>
+        <p:spPr>
+          <a:xfrm>
+            <a:off x="7261648" y="981991"/>
+            <a:ext cx="2565647" cy="307777"/>
+          </a:xfrm>
+          <a:prstGeom prst="rect">
+            <a:avLst/>
+          </a:prstGeom>
+          <a:noFill/>
+        </p:spPr>
+        <p:txBody>
+          <a:bodyPr wrap="square" rtlCol="0">
+            <a:spAutoFit/>
+          </a:bodyPr>
+          <a:lstStyle/>
+          <a:p>
+            <a:r>
+              <a:rPr lang="en-US" altLang="ko-KR" sz="1400" dirty="0"/>
+              <a:t>Pause()</a:t>
+            </a:r>
+            <a:endParaRPr lang="ko-KR" altLang="en-US" sz="1400" dirty="0"/>
+          </a:p>
+        </p:txBody>
+      </p:sp>
+      <p:sp>
+        <p:nvSpPr>
+          <p:cNvPr id="23" name="TextBox 22">
+            <a:extLst>
+              <a:ext uri="{FF2B5EF4-FFF2-40B4-BE49-F238E27FC236}">
+                <a16:creationId xmlns:a16="http://schemas.microsoft.com/office/drawing/2014/main" id="{4DB9E1DC-BDEB-0F43-777B-E02B07B303F8}"/>
+              </a:ext>
+            </a:extLst>
+          </p:cNvPr>
+          <p:cNvSpPr txBox="1"/>
+          <p:nvPr/>
+        </p:nvSpPr>
+        <p:spPr>
+          <a:xfrm>
+            <a:off x="7261648" y="2414788"/>
+            <a:ext cx="2565647" cy="954107"/>
+          </a:xfrm>
+          <a:prstGeom prst="rect">
+            <a:avLst/>
+          </a:prstGeom>
+          <a:noFill/>
+        </p:spPr>
+        <p:txBody>
+          <a:bodyPr wrap="square" rtlCol="0">
+            <a:spAutoFit/>
+          </a:bodyPr>
+          <a:lstStyle/>
+          <a:p>
+            <a:r>
+              <a:rPr lang="en-US" altLang="ko-KR" sz="1400" dirty="0"/>
+              <a:t>Follow()</a:t>
+            </a:r>
+          </a:p>
+          <a:p>
+            <a:r>
+              <a:rPr lang="en-US" altLang="ko-KR" sz="1400" dirty="0"/>
+              <a:t>Reset()</a:t>
+            </a:r>
+          </a:p>
+          <a:p>
+            <a:r>
+              <a:rPr lang="en-US" altLang="ko-KR" sz="1400" dirty="0"/>
+              <a:t>Wheel()</a:t>
+            </a:r>
+          </a:p>
+          <a:p>
+            <a:r>
+              <a:rPr lang="en-US" altLang="ko-KR" sz="1400" dirty="0"/>
+              <a:t>Drag()</a:t>
+            </a:r>
+          </a:p>
+        </p:txBody>
+      </p:sp>
+      <p:sp>
+        <p:nvSpPr>
+          <p:cNvPr id="24" name="TextBox 23">
+            <a:extLst>
+              <a:ext uri="{FF2B5EF4-FFF2-40B4-BE49-F238E27FC236}">
+                <a16:creationId xmlns:a16="http://schemas.microsoft.com/office/drawing/2014/main" id="{17DE278F-D612-2C5D-9C32-3026FCFC634D}"/>
+              </a:ext>
+            </a:extLst>
+          </p:cNvPr>
+          <p:cNvSpPr txBox="1"/>
+          <p:nvPr/>
+        </p:nvSpPr>
+        <p:spPr>
+          <a:xfrm>
+            <a:off x="7261647" y="3750937"/>
+            <a:ext cx="2565647" cy="954107"/>
+          </a:xfrm>
+          <a:prstGeom prst="rect">
+            <a:avLst/>
+          </a:prstGeom>
+          <a:noFill/>
+        </p:spPr>
+        <p:txBody>
+          <a:bodyPr wrap="square" rtlCol="0">
+            <a:spAutoFit/>
+          </a:bodyPr>
+          <a:lstStyle/>
+          <a:p>
+            <a:r>
+              <a:rPr lang="en-US" altLang="ko-KR" sz="1400" dirty="0"/>
+              <a:t>Locate(location)</a:t>
+            </a:r>
+          </a:p>
+          <a:p>
+            <a:r>
+              <a:rPr lang="en-US" altLang="ko-KR" sz="1400" dirty="0"/>
+              <a:t>Move(Direction)</a:t>
+            </a:r>
+            <a:br>
+              <a:rPr lang="en-US" altLang="ko-KR" sz="1400" dirty="0"/>
+            </a:br>
+            <a:r>
+              <a:rPr lang="en-US" altLang="ko-KR" sz="1400" dirty="0"/>
+              <a:t>Near()</a:t>
+            </a:r>
+            <a:br>
+              <a:rPr lang="en-US" altLang="ko-KR" sz="1400" dirty="0"/>
+            </a:br>
+            <a:r>
+              <a:rPr lang="en-US" altLang="ko-KR" sz="1400" dirty="0"/>
+              <a:t>Travel(location)</a:t>
+            </a:r>
+          </a:p>
+        </p:txBody>
+      </p:sp>
+      <p:sp>
+        <p:nvSpPr>
+          <p:cNvPr id="26" name="TextBox 25">
+            <a:extLst>
+              <a:ext uri="{FF2B5EF4-FFF2-40B4-BE49-F238E27FC236}">
+                <a16:creationId xmlns:a16="http://schemas.microsoft.com/office/drawing/2014/main" id="{4792B16C-A1C2-4580-35C8-B1D25E19A1D2}"/>
+              </a:ext>
+            </a:extLst>
+          </p:cNvPr>
+          <p:cNvSpPr txBox="1"/>
+          <p:nvPr/>
+        </p:nvSpPr>
+        <p:spPr>
+          <a:xfrm>
+            <a:off x="2734321" y="4731798"/>
+            <a:ext cx="2565647" cy="523220"/>
+          </a:xfrm>
+          <a:prstGeom prst="rect">
+            <a:avLst/>
+          </a:prstGeom>
+          <a:noFill/>
+        </p:spPr>
+        <p:txBody>
+          <a:bodyPr wrap="square" rtlCol="0">
+            <a:spAutoFit/>
+          </a:bodyPr>
+          <a:lstStyle/>
+          <a:p>
+            <a:r>
+              <a:rPr lang="en-US" altLang="ko-KR" sz="1400" dirty="0"/>
+              <a:t>Interact()</a:t>
+            </a:r>
+            <a:br>
+              <a:rPr lang="en-US" altLang="ko-KR" sz="1400" dirty="0"/>
+            </a:br>
+            <a:endParaRPr lang="ko-KR" altLang="en-US" sz="1400" dirty="0"/>
+          </a:p>
+        </p:txBody>
+      </p:sp>
+    </p:spTree>
+    <p:extLst>
+      <p:ext uri="{BB962C8B-B14F-4D97-AF65-F5344CB8AC3E}">
+        <p14:creationId xmlns:p14="http://schemas.microsoft.com/office/powerpoint/2010/main" val="1009473566"/>
+      </p:ext>
+    </p:extLst>
+  </p:cSld>
+  <p:clrMapOvr>
+    <a:masterClrMapping/>
+  </p:clrMapOvr>
+</p:sld>
+</file>
+
 <file path=ppt/theme/theme1.xml><?xml version="1.0" encoding="utf-8"?>
 <a:theme xmlns:a="http://schemas.openxmlformats.org/drawingml/2006/main" name="Office 테마">
   <a:themeElements>
